--- a/Gesture Remote Control.pptx
+++ b/Gesture Remote Control.pptx
@@ -11,8 +11,8 @@
     <p:sldId id="256" r:id="rId2"/>
     <p:sldId id="257" r:id="rId3"/>
     <p:sldId id="258" r:id="rId4"/>
-    <p:sldId id="259" r:id="rId5"/>
-    <p:sldId id="260" r:id="rId6"/>
+    <p:sldId id="261" r:id="rId5"/>
+    <p:sldId id="259" r:id="rId6"/>
   </p:sldIdLst>
   <p:sldSz cx="9144000" cy="5143500" type="screen16x9"/>
   <p:notesSz cx="6858000" cy="9144000"/>
@@ -227,6 +227,11 @@
       </a:defRPr>
     </a:lvl9pPr>
   </p:defaultTextStyle>
+  <p:extLst>
+    <p:ext uri="{EFAFB233-063F-42B5-8137-9DF3F51BA10A}">
+      <p15:sldGuideLst xmlns:p15="http://schemas.microsoft.com/office/powerpoint/2012/main"/>
+    </p:ext>
+  </p:extLst>
 </p:presentation>
 </file>
 
@@ -521,8 +526,8 @@
         </p:nvSpPr>
         <p:spPr>
           <a:xfrm>
-            <a:off x="381300" y="685800"/>
-            <a:ext cx="6096075" cy="3429000"/>
+            <a:off x="381000" y="685800"/>
+            <a:ext cx="6096000" cy="3429000"/>
           </a:xfrm>
           <a:custGeom>
             <a:avLst/>
@@ -947,122 +952,6 @@
     <p:extLst>
       <p:ext uri="{BB962C8B-B14F-4D97-AF65-F5344CB8AC3E}">
         <p14:creationId xmlns:p14="http://schemas.microsoft.com/office/powerpoint/2010/main" val="541288691"/>
-      </p:ext>
-    </p:extLst>
-  </p:cSld>
-  <p:clrMapOvr>
-    <a:masterClrMapping/>
-  </p:clrMapOvr>
-</p:notes>
-</file>
-
-<file path=ppt/notesSlides/notesSlide5.xml><?xml version="1.0" encoding="utf-8"?>
-<p:notes xmlns:a="http://schemas.openxmlformats.org/drawingml/2006/main" xmlns:r="http://schemas.openxmlformats.org/officeDocument/2006/relationships" xmlns:p="http://schemas.openxmlformats.org/presentationml/2006/main" showMasterSp="0" showMasterPhAnim="0">
-  <p:cSld>
-    <p:spTree>
-      <p:nvGrpSpPr>
-        <p:cNvPr id="1" name="Shape 84"/>
-        <p:cNvGrpSpPr/>
-        <p:nvPr/>
-      </p:nvGrpSpPr>
-      <p:grpSpPr>
-        <a:xfrm>
-          <a:off x="0" y="0"/>
-          <a:ext cx="0" cy="0"/>
-          <a:chOff x="0" y="0"/>
-          <a:chExt cx="0" cy="0"/>
-        </a:xfrm>
-      </p:grpSpPr>
-      <p:sp>
-        <p:nvSpPr>
-          <p:cNvPr id="85" name="Shape 85"/>
-          <p:cNvSpPr>
-            <a:spLocks noGrp="1" noRot="1" noChangeAspect="1"/>
-          </p:cNvSpPr>
-          <p:nvPr>
-            <p:ph type="sldImg" idx="2"/>
-          </p:nvPr>
-        </p:nvSpPr>
-        <p:spPr>
-          <a:xfrm>
-            <a:off x="381000" y="685800"/>
-            <a:ext cx="6096000" cy="3429000"/>
-          </a:xfrm>
-          <a:custGeom>
-            <a:avLst/>
-            <a:gdLst/>
-            <a:ahLst/>
-            <a:cxnLst/>
-            <a:rect l="0" t="0" r="0" b="0"/>
-            <a:pathLst>
-              <a:path w="120000" h="120000" extrusionOk="0">
-                <a:moveTo>
-                  <a:pt x="0" y="0"/>
-                </a:moveTo>
-                <a:lnTo>
-                  <a:pt x="120000" y="0"/>
-                </a:lnTo>
-                <a:lnTo>
-                  <a:pt x="120000" y="120000"/>
-                </a:lnTo>
-                <a:lnTo>
-                  <a:pt x="0" y="120000"/>
-                </a:lnTo>
-                <a:close/>
-              </a:path>
-            </a:pathLst>
-          </a:custGeom>
-          <a:noFill/>
-          <a:ln w="9525" cap="flat" cmpd="sng">
-            <a:solidFill>
-              <a:srgbClr val="000000"/>
-            </a:solidFill>
-            <a:prstDash val="solid"/>
-            <a:round/>
-            <a:headEnd type="none" w="med" len="med"/>
-            <a:tailEnd type="none" w="med" len="med"/>
-          </a:ln>
-        </p:spPr>
-      </p:sp>
-      <p:sp>
-        <p:nvSpPr>
-          <p:cNvPr id="86" name="Shape 86"/>
-          <p:cNvSpPr txBox="1">
-            <a:spLocks noGrp="1"/>
-          </p:cNvSpPr>
-          <p:nvPr>
-            <p:ph type="body" idx="1"/>
-          </p:nvPr>
-        </p:nvSpPr>
-        <p:spPr>
-          <a:xfrm>
-            <a:off x="685800" y="4343400"/>
-            <a:ext cx="5486399" cy="4114800"/>
-          </a:xfrm>
-          <a:prstGeom prst="rect">
-            <a:avLst/>
-          </a:prstGeom>
-        </p:spPr>
-        <p:txBody>
-          <a:bodyPr lIns="91425" tIns="91425" rIns="91425" bIns="91425" anchor="t" anchorCtr="0">
-            <a:noAutofit/>
-          </a:bodyPr>
-          <a:lstStyle/>
-          <a:p>
-            <a:pPr>
-              <a:spcBef>
-                <a:spcPts val="0"/>
-              </a:spcBef>
-              <a:buNone/>
-            </a:pPr>
-            <a:endParaRPr/>
-          </a:p>
-        </p:txBody>
-      </p:sp>
-    </p:spTree>
-    <p:extLst>
-      <p:ext uri="{BB962C8B-B14F-4D97-AF65-F5344CB8AC3E}">
-        <p14:creationId xmlns:p14="http://schemas.microsoft.com/office/powerpoint/2010/main" val="698300945"/>
       </p:ext>
     </p:extLst>
   </p:cSld>
@@ -4939,9 +4828,42 @@
               <a:buNone/>
             </a:pPr>
             <a:r>
-              <a:rPr lang="en"/>
-              <a:t>ECE 4180 - Final Project</a:t>
-            </a:r>
+              <a:rPr lang="en" dirty="0"/>
+              <a:t>ECE 4180 - Final </a:t>
+            </a:r>
+            <a:r>
+              <a:rPr lang="en" dirty="0" smtClean="0"/>
+              <a:t>Project</a:t>
+            </a:r>
+            <a:endParaRPr lang="en-US" dirty="0" smtClean="0"/>
+          </a:p>
+          <a:p>
+            <a:pPr>
+              <a:spcBef>
+                <a:spcPts val="0"/>
+              </a:spcBef>
+              <a:buNone/>
+            </a:pPr>
+            <a:endParaRPr lang="en-US" dirty="0"/>
+          </a:p>
+          <a:p>
+            <a:r>
+              <a:rPr lang="en-US" sz="1600" dirty="0" smtClean="0"/>
+              <a:t>Project link</a:t>
+            </a:r>
+            <a:r>
+              <a:rPr lang="en-US" sz="1600" dirty="0"/>
+              <a:t>: https://</a:t>
+            </a:r>
+            <a:r>
+              <a:rPr lang="en-US" sz="1600" dirty="0" err="1"/>
+              <a:t>developer.mbed.org</a:t>
+            </a:r>
+            <a:r>
+              <a:rPr lang="en-US" sz="1600" dirty="0"/>
+              <a:t>/users/sjackson64/notebook/gesture-remote-control/</a:t>
+            </a:r>
+            <a:endParaRPr lang="en" sz="1600" dirty="0"/>
           </a:p>
         </p:txBody>
       </p:sp>
@@ -5052,8 +4974,17 @@
             </a:pPr>
             <a:r>
               <a:rPr lang="en" dirty="0"/>
-              <a:t>Tue Tran</a:t>
-            </a:r>
+              <a:t>Tue </a:t>
+            </a:r>
+            <a:r>
+              <a:rPr lang="en" dirty="0" smtClean="0"/>
+              <a:t>Tran</a:t>
+            </a:r>
+            <a:r>
+              <a:rPr lang="en-US" dirty="0" smtClean="0"/>
+              <a:t> (Section A)</a:t>
+            </a:r>
+            <a:endParaRPr lang="en" dirty="0"/>
           </a:p>
           <a:p>
             <a:pPr marL="514350" lvl="0" indent="-285750" rtl="0">
@@ -5069,8 +5000,17 @@
             </a:r>
             <a:r>
               <a:rPr lang="en" dirty="0"/>
-              <a:t> Bagwell</a:t>
-            </a:r>
+              <a:t> </a:t>
+            </a:r>
+            <a:r>
+              <a:rPr lang="en" dirty="0" smtClean="0"/>
+              <a:t>Bagwell</a:t>
+            </a:r>
+            <a:r>
+              <a:rPr lang="en-US" dirty="0" smtClean="0"/>
+              <a:t> (Section B)</a:t>
+            </a:r>
+            <a:endParaRPr lang="en" dirty="0"/>
           </a:p>
           <a:p>
             <a:pPr marL="514350" lvl="0" indent="-285750">
@@ -5082,8 +5022,17 @@
             </a:pPr>
             <a:r>
               <a:rPr lang="en" dirty="0"/>
-              <a:t>Sam Jackson</a:t>
-            </a:r>
+              <a:t>Sam </a:t>
+            </a:r>
+            <a:r>
+              <a:rPr lang="en" dirty="0" smtClean="0"/>
+              <a:t>Jackson</a:t>
+            </a:r>
+            <a:r>
+              <a:rPr lang="en-US" dirty="0" smtClean="0"/>
+              <a:t> (Section B)</a:t>
+            </a:r>
+            <a:endParaRPr lang="en" dirty="0"/>
           </a:p>
         </p:txBody>
       </p:sp>
@@ -5154,9 +5103,10 @@
               <a:buNone/>
             </a:pPr>
             <a:r>
-              <a:rPr lang="en"/>
-              <a:t>Ideas</a:t>
-            </a:r>
+              <a:rPr lang="en-US" dirty="0" smtClean="0"/>
+              <a:t>Motivation</a:t>
+            </a:r>
+            <a:endParaRPr lang="en" dirty="0"/>
           </a:p>
         </p:txBody>
       </p:sp>
@@ -5199,25 +5149,8 @@
               <a:buChar char="v"/>
             </a:pPr>
             <a:r>
-              <a:rPr lang="en" sz="1600" dirty="0"/>
-              <a:t>Channel control</a:t>
-            </a:r>
-          </a:p>
-          <a:p>
-            <a:pPr marL="914400" lvl="1" indent="-228600" rtl="0">
-              <a:lnSpc>
-                <a:spcPct val="100000"/>
-              </a:lnSpc>
-              <a:spcBef>
-                <a:spcPts val="0"/>
-              </a:spcBef>
-              <a:spcAft>
-                <a:spcPts val="600"/>
-              </a:spcAft>
-            </a:pPr>
-            <a:r>
-              <a:rPr lang="en" sz="1600" dirty="0"/>
-              <a:t>Up/Down based on swiping at different depth</a:t>
+              <a:rPr lang="en-US" sz="1600" dirty="0" smtClean="0"/>
+              <a:t>Using hand gesture to control TV or Set-top box</a:t>
             </a:r>
           </a:p>
           <a:p>
@@ -5235,25 +5168,12 @@
               <a:buChar char="v"/>
             </a:pPr>
             <a:r>
+              <a:rPr lang="en" sz="1600" dirty="0" smtClean="0"/>
+              <a:t>Channel </a:t>
+            </a:r>
+            <a:r>
               <a:rPr lang="en" sz="1600" dirty="0"/>
-              <a:t>Volume control</a:t>
-            </a:r>
-          </a:p>
-          <a:p>
-            <a:pPr marL="914400" lvl="1" indent="-228600" rtl="0">
-              <a:lnSpc>
-                <a:spcPct val="100000"/>
-              </a:lnSpc>
-              <a:spcBef>
-                <a:spcPts val="0"/>
-              </a:spcBef>
-              <a:spcAft>
-                <a:spcPts val="600"/>
-              </a:spcAft>
-            </a:pPr>
-            <a:r>
-              <a:rPr lang="en" sz="1600" dirty="0"/>
-              <a:t>Up/Down based on holding at different depth</a:t>
+              <a:t>control</a:t>
             </a:r>
           </a:p>
           <a:p>
@@ -5271,8 +5191,8 @@
               <a:buChar char="v"/>
             </a:pPr>
             <a:r>
-              <a:rPr lang="en" sz="1600" dirty="0"/>
-              <a:t>Power (on/off)</a:t>
+              <a:rPr lang="en" sz="1600" dirty="0" smtClean="0"/>
+              <a:t>Volume control</a:t>
             </a:r>
           </a:p>
           <a:p>
@@ -5290,105 +5210,18 @@
               <a:buChar char="v"/>
             </a:pPr>
             <a:r>
+              <a:rPr lang="en" sz="1600" dirty="0" smtClean="0"/>
+              <a:t>Power </a:t>
+            </a:r>
+            <a:r>
               <a:rPr lang="en" sz="1600" dirty="0"/>
-              <a:t>Input selection</a:t>
-            </a:r>
-          </a:p>
-          <a:p>
-            <a:pPr marL="514350" lvl="0" indent="-285750" rtl="0">
-              <a:lnSpc>
-                <a:spcPct val="100000"/>
-              </a:lnSpc>
-              <a:spcBef>
-                <a:spcPts val="0"/>
-              </a:spcBef>
-              <a:spcAft>
-                <a:spcPts val="600"/>
-              </a:spcAft>
-              <a:buFont typeface="Wingdings" charset="2"/>
-              <a:buChar char="v"/>
-            </a:pPr>
-            <a:r>
-              <a:rPr lang="en" sz="1600" dirty="0"/>
-              <a:t>Directional navigation</a:t>
-            </a:r>
-          </a:p>
-          <a:p>
-            <a:pPr marL="914400" lvl="1" indent="-228600" rtl="0">
-              <a:lnSpc>
-                <a:spcPct val="100000"/>
-              </a:lnSpc>
-              <a:spcBef>
-                <a:spcPts val="0"/>
-              </a:spcBef>
-              <a:spcAft>
-                <a:spcPts val="600"/>
-              </a:spcAft>
-            </a:pPr>
-            <a:r>
-              <a:rPr lang="en" sz="1600" dirty="0"/>
-              <a:t>Settings menu</a:t>
-            </a:r>
-          </a:p>
-          <a:p>
-            <a:pPr marL="914400" lvl="1" indent="-228600" rtl="0">
-              <a:lnSpc>
-                <a:spcPct val="100000"/>
-              </a:lnSpc>
-              <a:spcBef>
-                <a:spcPts val="0"/>
-              </a:spcBef>
-              <a:spcAft>
-                <a:spcPts val="600"/>
-              </a:spcAft>
-            </a:pPr>
-            <a:r>
-              <a:rPr lang="en" sz="1600" dirty="0"/>
-              <a:t>Channel guide</a:t>
-            </a:r>
-          </a:p>
-          <a:p>
-            <a:pPr marL="514350" lvl="0" indent="-285750" rtl="0">
-              <a:lnSpc>
-                <a:spcPct val="100000"/>
-              </a:lnSpc>
-              <a:spcBef>
-                <a:spcPts val="0"/>
-              </a:spcBef>
-              <a:spcAft>
-                <a:spcPts val="600"/>
-              </a:spcAft>
-              <a:buFont typeface="Wingdings" charset="2"/>
-              <a:buChar char="v"/>
-            </a:pPr>
-            <a:r>
-              <a:rPr lang="en" sz="1600" dirty="0"/>
-              <a:t>Add a </a:t>
-            </a:r>
-            <a:r>
-              <a:rPr lang="en" sz="1600" dirty="0" err="1"/>
-              <a:t>numpad</a:t>
+              <a:t>(on/off</a:t>
+            </a:r>
+            <a:r>
+              <a:rPr lang="en" sz="1600" dirty="0" smtClean="0"/>
+              <a:t>)</a:t>
             </a:r>
             <a:endParaRPr lang="en" sz="1600" dirty="0"/>
-          </a:p>
-          <a:p>
-            <a:pPr marL="514350" lvl="0" indent="-285750" rtl="0">
-              <a:lnSpc>
-                <a:spcPct val="100000"/>
-              </a:lnSpc>
-              <a:spcBef>
-                <a:spcPts val="0"/>
-              </a:spcBef>
-              <a:spcAft>
-                <a:spcPts val="600"/>
-              </a:spcAft>
-              <a:buFont typeface="Wingdings" charset="2"/>
-              <a:buChar char="v"/>
-            </a:pPr>
-            <a:r>
-              <a:rPr lang="en" sz="1600" dirty="0"/>
-              <a:t>Fully 2 dimensional control for Apple TV</a:t>
-            </a:r>
           </a:p>
         </p:txBody>
       </p:sp>
@@ -5471,6 +5304,212 @@
   <p:cSld>
     <p:spTree>
       <p:nvGrpSpPr>
+        <p:cNvPr id="1" name=""/>
+        <p:cNvGrpSpPr/>
+        <p:nvPr/>
+      </p:nvGrpSpPr>
+      <p:grpSpPr>
+        <a:xfrm>
+          <a:off x="0" y="0"/>
+          <a:ext cx="0" cy="0"/>
+          <a:chOff x="0" y="0"/>
+          <a:chExt cx="0" cy="0"/>
+        </a:xfrm>
+      </p:grpSpPr>
+      <p:sp>
+        <p:nvSpPr>
+          <p:cNvPr id="4" name="Shape 64"/>
+          <p:cNvSpPr txBox="1">
+            <a:spLocks noGrp="1"/>
+          </p:cNvSpPr>
+          <p:nvPr>
+            <p:ph type="title"/>
+          </p:nvPr>
+        </p:nvSpPr>
+        <p:spPr>
+          <a:xfrm>
+            <a:off x="311700" y="445025"/>
+            <a:ext cx="8520599" cy="572699"/>
+          </a:xfrm>
+          <a:prstGeom prst="rect">
+            <a:avLst/>
+          </a:prstGeom>
+        </p:spPr>
+        <p:txBody>
+          <a:bodyPr lIns="91425" tIns="91425" rIns="91425" bIns="91425" anchor="t" anchorCtr="0">
+            <a:noAutofit/>
+          </a:bodyPr>
+          <a:lstStyle/>
+          <a:p>
+            <a:pPr>
+              <a:spcBef>
+                <a:spcPts val="0"/>
+              </a:spcBef>
+              <a:buNone/>
+            </a:pPr>
+            <a:r>
+              <a:rPr lang="en-US" dirty="0" smtClean="0"/>
+              <a:t>Solution</a:t>
+            </a:r>
+            <a:endParaRPr lang="en" dirty="0"/>
+          </a:p>
+        </p:txBody>
+      </p:sp>
+      <p:sp>
+        <p:nvSpPr>
+          <p:cNvPr id="6" name="Shape 65"/>
+          <p:cNvSpPr txBox="1">
+            <a:spLocks noGrp="1"/>
+          </p:cNvSpPr>
+          <p:nvPr>
+            <p:ph type="body" idx="1"/>
+          </p:nvPr>
+        </p:nvSpPr>
+        <p:spPr>
+          <a:xfrm>
+            <a:off x="311701" y="1152475"/>
+            <a:ext cx="5466930" cy="3416400"/>
+          </a:xfrm>
+          <a:prstGeom prst="rect">
+            <a:avLst/>
+          </a:prstGeom>
+        </p:spPr>
+        <p:txBody>
+          <a:bodyPr lIns="91425" tIns="91425" rIns="91425" bIns="91425" anchor="t" anchorCtr="0">
+            <a:noAutofit/>
+          </a:bodyPr>
+          <a:lstStyle/>
+          <a:p>
+            <a:pPr marL="514350" lvl="0" indent="-285750" rtl="0">
+              <a:lnSpc>
+                <a:spcPct val="100000"/>
+              </a:lnSpc>
+              <a:spcBef>
+                <a:spcPts val="0"/>
+              </a:spcBef>
+              <a:spcAft>
+                <a:spcPts val="600"/>
+              </a:spcAft>
+              <a:buFont typeface="Wingdings" charset="2"/>
+              <a:buChar char="v"/>
+            </a:pPr>
+            <a:r>
+              <a:rPr lang="en-US" sz="1600" dirty="0" smtClean="0"/>
+              <a:t>Use the Gesture Sensor to select modes (Power, Channel, and Volume)</a:t>
+            </a:r>
+            <a:endParaRPr lang="en" sz="1600" dirty="0"/>
+          </a:p>
+          <a:p>
+            <a:pPr marL="514350" lvl="0" indent="-285750" rtl="0">
+              <a:lnSpc>
+                <a:spcPct val="100000"/>
+              </a:lnSpc>
+              <a:spcBef>
+                <a:spcPts val="0"/>
+              </a:spcBef>
+              <a:spcAft>
+                <a:spcPts val="600"/>
+              </a:spcAft>
+              <a:buFont typeface="Wingdings" charset="2"/>
+              <a:buChar char="v"/>
+            </a:pPr>
+            <a:r>
+              <a:rPr lang="en-US" sz="1600" dirty="0" smtClean="0"/>
+              <a:t>Hold hand above the Gesture Sensor for 3 seconds to send Power signa</a:t>
+            </a:r>
+            <a:r>
+              <a:rPr lang="en-US" sz="1600" dirty="0"/>
+              <a:t>l</a:t>
+            </a:r>
+            <a:endParaRPr lang="en" sz="1600" dirty="0" smtClean="0"/>
+          </a:p>
+          <a:p>
+            <a:pPr marL="514350" lvl="0" indent="-285750" rtl="0">
+              <a:lnSpc>
+                <a:spcPct val="100000"/>
+              </a:lnSpc>
+              <a:spcBef>
+                <a:spcPts val="0"/>
+              </a:spcBef>
+              <a:spcAft>
+                <a:spcPts val="600"/>
+              </a:spcAft>
+              <a:buFont typeface="Wingdings" charset="2"/>
+              <a:buChar char="v"/>
+            </a:pPr>
+            <a:r>
+              <a:rPr lang="en-US" sz="1600" dirty="0" smtClean="0"/>
+              <a:t>Hold hand above the Ultra-sonic Ranger in Channel mode for channel up and down</a:t>
+            </a:r>
+          </a:p>
+          <a:p>
+            <a:pPr marL="514350" indent="-285750">
+              <a:lnSpc>
+                <a:spcPct val="100000"/>
+              </a:lnSpc>
+              <a:spcAft>
+                <a:spcPts val="600"/>
+              </a:spcAft>
+              <a:buFont typeface="Wingdings" charset="2"/>
+              <a:buChar char="v"/>
+            </a:pPr>
+            <a:r>
+              <a:rPr lang="en-US" sz="1600" dirty="0"/>
+              <a:t>Hold hand above the Ultra-sonic Ranger in </a:t>
+            </a:r>
+            <a:r>
+              <a:rPr lang="en-US" sz="1600" dirty="0" smtClean="0"/>
+              <a:t>Volume </a:t>
+            </a:r>
+            <a:r>
+              <a:rPr lang="en-US" sz="1600" dirty="0"/>
+              <a:t>mode for </a:t>
+            </a:r>
+            <a:r>
+              <a:rPr lang="en-US" sz="1600" dirty="0" smtClean="0"/>
+              <a:t>volume </a:t>
+            </a:r>
+            <a:r>
+              <a:rPr lang="en-US" sz="1600" dirty="0"/>
+              <a:t>up and down</a:t>
+            </a:r>
+          </a:p>
+          <a:p>
+            <a:pPr marL="514350" lvl="0" indent="-285750" rtl="0">
+              <a:lnSpc>
+                <a:spcPct val="100000"/>
+              </a:lnSpc>
+              <a:spcBef>
+                <a:spcPts val="0"/>
+              </a:spcBef>
+              <a:spcAft>
+                <a:spcPts val="600"/>
+              </a:spcAft>
+              <a:buFont typeface="Wingdings" charset="2"/>
+              <a:buChar char="v"/>
+            </a:pPr>
+            <a:endParaRPr lang="en" sz="1600" dirty="0"/>
+          </a:p>
+        </p:txBody>
+      </p:sp>
+    </p:spTree>
+    <p:extLst>
+      <p:ext uri="{BB962C8B-B14F-4D97-AF65-F5344CB8AC3E}">
+        <p14:creationId xmlns:p14="http://schemas.microsoft.com/office/powerpoint/2010/main" val="1366554926"/>
+      </p:ext>
+    </p:extLst>
+  </p:cSld>
+  <p:clrMapOvr>
+    <a:masterClrMapping/>
+  </p:clrMapOvr>
+</p:sld>
+</file>
+
+<file path=ppt/slides/slide5.xml><?xml version="1.0" encoding="utf-8"?>
+<p:sld xmlns:a="http://schemas.openxmlformats.org/drawingml/2006/main" xmlns:r="http://schemas.openxmlformats.org/officeDocument/2006/relationships" xmlns:p="http://schemas.openxmlformats.org/presentationml/2006/main">
+  <p:cSld>
+    <p:spTree>
+      <p:nvGrpSpPr>
         <p:cNvPr id="1" name="Shape 71"/>
         <p:cNvGrpSpPr/>
         <p:nvPr/>
@@ -5677,17 +5716,24 @@
               <a:t>	</a:t>
             </a:r>
             <a:r>
-              <a:rPr lang="en" dirty="0" smtClean="0"/>
+              <a:rPr lang="en" dirty="0" smtClean="0">
+                <a:hlinkClick r:id="rId3"/>
+              </a:rPr>
               <a:t>https://</a:t>
             </a:r>
             <a:r>
-              <a:rPr lang="en" dirty="0" err="1" smtClean="0"/>
+              <a:rPr lang="en" dirty="0" err="1" smtClean="0">
+                <a:hlinkClick r:id="rId3"/>
+              </a:rPr>
               <a:t>www.sparkfun.com</a:t>
             </a:r>
             <a:r>
-              <a:rPr lang="en" dirty="0" smtClean="0"/>
+              <a:rPr lang="en" dirty="0" smtClean="0">
+                <a:hlinkClick r:id="rId3"/>
+              </a:rPr>
               <a:t>/products/retired/10732</a:t>
             </a:r>
+            <a:endParaRPr lang="en" dirty="0" smtClean="0"/>
           </a:p>
           <a:p>
             <a:pPr marL="514350" lvl="0" indent="-285750" rtl="0">
@@ -5704,26 +5750,16 @@
               <a:buChar char="v"/>
             </a:pPr>
             <a:r>
-              <a:rPr lang="en" sz="1600" dirty="0" err="1" smtClean="0"/>
-              <a:t>SparkFun</a:t>
-            </a:r>
-            <a:r>
-              <a:rPr lang="en" sz="1600" dirty="0" smtClean="0"/>
-              <a:t> </a:t>
-            </a:r>
-            <a:r>
-              <a:rPr lang="en" sz="1600" dirty="0"/>
-              <a:t>Ultrasonic Range Finder EZ1</a:t>
-            </a:r>
-          </a:p>
-          <a:p>
-            <a:pPr marL="914400" lvl="1" indent="-228600" rtl="0">
+              <a:rPr lang="en-US" sz="1600" dirty="0" smtClean="0"/>
+              <a:t>Parallax Si1143 Gesture Sensor</a:t>
+            </a:r>
+            <a:endParaRPr lang="en" sz="1600" dirty="0" smtClean="0"/>
+          </a:p>
+          <a:p>
+            <a:pPr marL="914400" lvl="1" indent="-228600">
               <a:lnSpc>
                 <a:spcPct val="100000"/>
               </a:lnSpc>
-              <a:spcBef>
-                <a:spcPts val="0"/>
-              </a:spcBef>
               <a:spcAft>
                 <a:spcPts val="600"/>
               </a:spcAft>
@@ -5733,21 +5769,18 @@
               <a:t>	</a:t>
             </a:r>
             <a:r>
-              <a:rPr lang="en" dirty="0" smtClean="0"/>
-              <a:t>https</a:t>
-            </a:r>
-            <a:r>
-              <a:rPr lang="en" dirty="0"/>
-              <a:t>://</a:t>
-            </a:r>
-            <a:r>
-              <a:rPr lang="en" dirty="0" err="1"/>
-              <a:t>www.sparkfun.com</a:t>
-            </a:r>
-            <a:r>
-              <a:rPr lang="en" dirty="0"/>
-              <a:t>/products/639</a:t>
-            </a:r>
+              <a:rPr lang="en-US" dirty="0"/>
+              <a:t>https://</a:t>
+            </a:r>
+            <a:r>
+              <a:rPr lang="en-US" dirty="0" err="1"/>
+              <a:t>www.parallax.com</a:t>
+            </a:r>
+            <a:r>
+              <a:rPr lang="en-US" dirty="0"/>
+              <a:t>/product/28046</a:t>
+            </a:r>
+            <a:endParaRPr lang="en" dirty="0"/>
           </a:p>
           <a:p>
             <a:pPr marL="514350" lvl="0" indent="-285750" rtl="0">
@@ -5764,12 +5797,12 @@
               <a:buChar char="v"/>
             </a:pPr>
             <a:r>
-              <a:rPr lang="en" sz="1600" dirty="0" err="1"/>
-              <a:t>And/Or</a:t>
+              <a:rPr lang="en" sz="1600" dirty="0" smtClean="0"/>
+              <a:t>Polaroid </a:t>
             </a:r>
             <a:r>
               <a:rPr lang="en" sz="1600" dirty="0"/>
-              <a:t> Polaroid Ultrasonic Ranger SRF04</a:t>
+              <a:t>Ultrasonic Ranger SRF04</a:t>
             </a:r>
           </a:p>
           <a:p>
@@ -5822,7 +5855,7 @@
           <p:nvPr/>
         </p:nvPicPr>
         <p:blipFill>
-          <a:blip r:embed="rId3">
+          <a:blip r:embed="rId4">
             <a:alphaModFix/>
           </a:blip>
           <a:stretch>
@@ -5850,7 +5883,7 @@
           <p:nvPr/>
         </p:nvPicPr>
         <p:blipFill>
-          <a:blip r:embed="rId4">
+          <a:blip r:embed="rId5">
             <a:alphaModFix/>
           </a:blip>
           <a:stretch>
@@ -5861,34 +5894,6 @@
           <a:xfrm>
             <a:off x="5537525" y="125600"/>
             <a:ext cx="1603024" cy="1603024"/>
-          </a:xfrm>
-          <a:prstGeom prst="rect">
-            <a:avLst/>
-          </a:prstGeom>
-          <a:noFill/>
-          <a:ln>
-            <a:noFill/>
-          </a:ln>
-        </p:spPr>
-      </p:pic>
-      <p:pic>
-        <p:nvPicPr>
-          <p:cNvPr id="76" name="Shape 76"/>
-          <p:cNvPicPr preferRelativeResize="0"/>
-          <p:nvPr/>
-        </p:nvPicPr>
-        <p:blipFill>
-          <a:blip r:embed="rId5">
-            <a:alphaModFix/>
-          </a:blip>
-          <a:stretch>
-            <a:fillRect/>
-          </a:stretch>
-        </p:blipFill>
-        <p:spPr>
-          <a:xfrm>
-            <a:off x="5537525" y="1963925"/>
-            <a:ext cx="1793500" cy="1793500"/>
           </a:xfrm>
           <a:prstGeom prst="rect">
             <a:avLst/>
@@ -5915,7 +5920,7 @@
         </p:blipFill>
         <p:spPr>
           <a:xfrm>
-            <a:off x="7090625" y="3231068"/>
+            <a:off x="5304325" y="2173616"/>
             <a:ext cx="1793499" cy="1788381"/>
           </a:xfrm>
           <a:prstGeom prst="rect">
@@ -5927,414 +5932,36 @@
           </a:ln>
         </p:spPr>
       </p:pic>
-    </p:spTree>
-  </p:cSld>
-  <p:clrMapOvr>
-    <a:masterClrMapping/>
-  </p:clrMapOvr>
-  <p:transition spd="slow">
-    <p:cut/>
-  </p:transition>
-  <p:timing>
-    <p:tnLst>
-      <p:par>
-        <p:cTn id="1" dur="indefinite" restart="never" nodeType="tmRoot"/>
-      </p:par>
-    </p:tnLst>
-  </p:timing>
-</p:sld>
-</file>
-
-<file path=ppt/slides/slide5.xml><?xml version="1.0" encoding="utf-8"?>
-<p:sld xmlns:a="http://schemas.openxmlformats.org/drawingml/2006/main" xmlns:r="http://schemas.openxmlformats.org/officeDocument/2006/relationships" xmlns:p="http://schemas.openxmlformats.org/presentationml/2006/main">
-  <p:cSld>
-    <p:spTree>
-      <p:nvGrpSpPr>
-        <p:cNvPr id="1" name="Shape 81"/>
-        <p:cNvGrpSpPr/>
-        <p:nvPr/>
-      </p:nvGrpSpPr>
-      <p:grpSpPr>
-        <a:xfrm>
-          <a:off x="0" y="0"/>
-          <a:ext cx="0" cy="0"/>
-          <a:chOff x="0" y="0"/>
-          <a:chExt cx="0" cy="0"/>
-        </a:xfrm>
-      </p:grpSpPr>
-      <p:sp>
-        <p:nvSpPr>
-          <p:cNvPr id="82" name="Shape 82"/>
-          <p:cNvSpPr txBox="1">
-            <a:spLocks noGrp="1"/>
-          </p:cNvSpPr>
-          <p:nvPr>
-            <p:ph type="title"/>
-          </p:nvPr>
-        </p:nvSpPr>
+      <p:pic>
+        <p:nvPicPr>
+          <p:cNvPr id="2" name="Picture 1"/>
+          <p:cNvPicPr>
+            <a:picLocks noChangeAspect="1"/>
+          </p:cNvPicPr>
+          <p:nvPr/>
+        </p:nvPicPr>
+        <p:blipFill>
+          <a:blip r:embed="rId7">
+            <a:extLst>
+              <a:ext uri="{28A0092B-C50C-407E-A947-70E740481C1C}">
+                <a14:useLocalDpi xmlns:a14="http://schemas.microsoft.com/office/drawing/2010/main" val="0"/>
+              </a:ext>
+            </a:extLst>
+          </a:blip>
+          <a:stretch>
+            <a:fillRect/>
+          </a:stretch>
+        </p:blipFill>
         <p:spPr>
           <a:xfrm>
-            <a:off x="311699" y="331904"/>
-            <a:ext cx="8520599" cy="572699"/>
+            <a:off x="7101919" y="3101419"/>
+            <a:ext cx="2042081" cy="2042081"/>
           </a:xfrm>
           <a:prstGeom prst="rect">
             <a:avLst/>
           </a:prstGeom>
         </p:spPr>
-        <p:txBody>
-          <a:bodyPr lIns="91425" tIns="91425" rIns="91425" bIns="91425" anchor="t" anchorCtr="0">
-            <a:noAutofit/>
-          </a:bodyPr>
-          <a:lstStyle/>
-          <a:p>
-            <a:pPr>
-              <a:spcBef>
-                <a:spcPts val="0"/>
-              </a:spcBef>
-              <a:buNone/>
-            </a:pPr>
-            <a:r>
-              <a:rPr lang="en" dirty="0"/>
-              <a:t>Schedule</a:t>
-            </a:r>
-          </a:p>
-        </p:txBody>
-      </p:sp>
-      <p:sp>
-        <p:nvSpPr>
-          <p:cNvPr id="83" name="Shape 83"/>
-          <p:cNvSpPr txBox="1">
-            <a:spLocks noGrp="1"/>
-          </p:cNvSpPr>
-          <p:nvPr>
-            <p:ph type="body" idx="1"/>
-          </p:nvPr>
-        </p:nvSpPr>
-        <p:spPr>
-          <a:xfrm>
-            <a:off x="311699" y="1033042"/>
-            <a:ext cx="8520599" cy="4110458"/>
-          </a:xfrm>
-          <a:prstGeom prst="rect">
-            <a:avLst/>
-          </a:prstGeom>
-        </p:spPr>
-        <p:txBody>
-          <a:bodyPr lIns="91425" tIns="91425" rIns="91425" bIns="91425" anchor="t" anchorCtr="0">
-            <a:noAutofit/>
-          </a:bodyPr>
-          <a:lstStyle/>
-          <a:p>
-            <a:pPr marL="514350" lvl="0" indent="-285750" rtl="0">
-              <a:lnSpc>
-                <a:spcPct val="100000"/>
-              </a:lnSpc>
-              <a:spcBef>
-                <a:spcPts val="0"/>
-              </a:spcBef>
-              <a:spcAft>
-                <a:spcPts val="600"/>
-              </a:spcAft>
-              <a:buFont typeface="Wingdings" charset="2"/>
-              <a:buChar char="v"/>
-            </a:pPr>
-            <a:r>
-              <a:rPr lang="vi-VN" sz="1600" dirty="0"/>
-              <a:t>1</a:t>
-            </a:r>
-            <a:r>
-              <a:rPr lang="en" sz="1600" dirty="0" err="1" smtClean="0"/>
-              <a:t>st</a:t>
-            </a:r>
-            <a:r>
-              <a:rPr lang="en" sz="1600" dirty="0" smtClean="0"/>
-              <a:t> </a:t>
-            </a:r>
-            <a:r>
-              <a:rPr lang="en" sz="1600" dirty="0"/>
-              <a:t>week - </a:t>
-            </a:r>
-            <a:r>
-              <a:rPr lang="en" sz="1600" dirty="0" smtClean="0"/>
-              <a:t>11/20/2015</a:t>
-            </a:r>
-            <a:endParaRPr lang="vi-VN" sz="1600" dirty="0"/>
-          </a:p>
-          <a:p>
-            <a:pPr marL="228600" lvl="0" rtl="0">
-              <a:lnSpc>
-                <a:spcPct val="100000"/>
-              </a:lnSpc>
-              <a:spcBef>
-                <a:spcPts val="0"/>
-              </a:spcBef>
-              <a:spcAft>
-                <a:spcPts val="600"/>
-              </a:spcAft>
-            </a:pPr>
-            <a:r>
-              <a:rPr lang="vi-VN" sz="1400" dirty="0" smtClean="0"/>
-              <a:t>	</a:t>
-            </a:r>
-            <a:r>
-              <a:rPr lang="en" sz="1400" dirty="0" smtClean="0"/>
-              <a:t>Capture </a:t>
-            </a:r>
-            <a:r>
-              <a:rPr lang="en" sz="1400" dirty="0"/>
-              <a:t>TV IR </a:t>
-            </a:r>
-            <a:r>
-              <a:rPr lang="en" sz="1400" dirty="0" smtClean="0"/>
-              <a:t>signals</a:t>
-            </a:r>
-            <a:endParaRPr lang="vi-VN" sz="1400" dirty="0" smtClean="0"/>
-          </a:p>
-          <a:p>
-            <a:pPr marL="228600" lvl="0" rtl="0">
-              <a:lnSpc>
-                <a:spcPct val="100000"/>
-              </a:lnSpc>
-              <a:spcBef>
-                <a:spcPts val="0"/>
-              </a:spcBef>
-              <a:spcAft>
-                <a:spcPts val="600"/>
-              </a:spcAft>
-            </a:pPr>
-            <a:r>
-              <a:rPr lang="vi-VN" sz="1400" dirty="0" smtClean="0"/>
-              <a:t>	</a:t>
-            </a:r>
-            <a:r>
-              <a:rPr lang="en" sz="1400" dirty="0" smtClean="0"/>
-              <a:t>Send </a:t>
-            </a:r>
-            <a:r>
-              <a:rPr lang="en" sz="1400" dirty="0"/>
-              <a:t>IR signals to TV without gesture control</a:t>
-            </a:r>
-          </a:p>
-          <a:p>
-            <a:pPr marL="514350" lvl="0" indent="-285750" rtl="0">
-              <a:lnSpc>
-                <a:spcPct val="100000"/>
-              </a:lnSpc>
-              <a:spcBef>
-                <a:spcPts val="0"/>
-              </a:spcBef>
-              <a:spcAft>
-                <a:spcPts val="600"/>
-              </a:spcAft>
-              <a:buFont typeface="Wingdings" charset="2"/>
-              <a:buChar char="v"/>
-            </a:pPr>
-            <a:r>
-              <a:rPr lang="en" sz="1600" dirty="0"/>
-              <a:t>2nd week - </a:t>
-            </a:r>
-            <a:r>
-              <a:rPr lang="en" sz="1600" dirty="0" smtClean="0"/>
-              <a:t>11/24/2015</a:t>
-            </a:r>
-            <a:endParaRPr lang="vi-VN" sz="1600" dirty="0" smtClean="0"/>
-          </a:p>
-          <a:p>
-            <a:pPr marL="228600" lvl="2">
-              <a:lnSpc>
-                <a:spcPct val="100000"/>
-              </a:lnSpc>
-              <a:spcAft>
-                <a:spcPts val="600"/>
-              </a:spcAft>
-            </a:pPr>
-            <a:r>
-              <a:rPr lang="vi-VN" dirty="0"/>
-              <a:t>	</a:t>
-            </a:r>
-            <a:r>
-              <a:rPr lang="en" dirty="0" smtClean="0"/>
-              <a:t>Develop </a:t>
-            </a:r>
-            <a:r>
-              <a:rPr lang="en" dirty="0"/>
-              <a:t>gesture </a:t>
-            </a:r>
-            <a:r>
-              <a:rPr lang="en" dirty="0" smtClean="0"/>
-              <a:t>controls</a:t>
-            </a:r>
-            <a:endParaRPr lang="vi-VN" dirty="0" smtClean="0"/>
-          </a:p>
-          <a:p>
-            <a:pPr marL="228600" lvl="2">
-              <a:lnSpc>
-                <a:spcPct val="100000"/>
-              </a:lnSpc>
-              <a:spcAft>
-                <a:spcPts val="600"/>
-              </a:spcAft>
-            </a:pPr>
-            <a:r>
-              <a:rPr lang="vi-VN" dirty="0"/>
-              <a:t>	</a:t>
-            </a:r>
-            <a:r>
-              <a:rPr lang="en" dirty="0" smtClean="0"/>
-              <a:t>Channel</a:t>
-            </a:r>
-            <a:r>
-              <a:rPr lang="en" dirty="0"/>
-              <a:t>, volume, &amp; power</a:t>
-            </a:r>
-          </a:p>
-          <a:p>
-            <a:pPr marL="514350" lvl="0" indent="-285750" rtl="0">
-              <a:lnSpc>
-                <a:spcPct val="100000"/>
-              </a:lnSpc>
-              <a:spcBef>
-                <a:spcPts val="0"/>
-              </a:spcBef>
-              <a:spcAft>
-                <a:spcPts val="600"/>
-              </a:spcAft>
-              <a:buFont typeface="Wingdings" charset="2"/>
-              <a:buChar char="v"/>
-            </a:pPr>
-            <a:r>
-              <a:rPr lang="en" sz="1600" dirty="0"/>
-              <a:t>3rd week - </a:t>
-            </a:r>
-            <a:r>
-              <a:rPr lang="en" sz="1600" dirty="0" smtClean="0"/>
-              <a:t>12/04/2015</a:t>
-            </a:r>
-            <a:endParaRPr lang="vi-VN" sz="1600" dirty="0" smtClean="0"/>
-          </a:p>
-          <a:p>
-            <a:pPr marL="228600" lvl="1">
-              <a:lnSpc>
-                <a:spcPct val="100000"/>
-              </a:lnSpc>
-              <a:spcAft>
-                <a:spcPts val="600"/>
-              </a:spcAft>
-            </a:pPr>
-            <a:r>
-              <a:rPr lang="vi-VN" dirty="0"/>
-              <a:t>	</a:t>
-            </a:r>
-            <a:r>
-              <a:rPr lang="en" dirty="0" smtClean="0"/>
-              <a:t>Deal with unexpected issues</a:t>
-            </a:r>
-            <a:endParaRPr lang="vi-VN" dirty="0" smtClean="0"/>
-          </a:p>
-          <a:p>
-            <a:pPr marL="228600" lvl="1">
-              <a:lnSpc>
-                <a:spcPct val="100000"/>
-              </a:lnSpc>
-              <a:spcAft>
-                <a:spcPts val="600"/>
-              </a:spcAft>
-            </a:pPr>
-            <a:r>
-              <a:rPr lang="vi-VN" dirty="0"/>
-              <a:t>	</a:t>
-            </a:r>
-            <a:r>
-              <a:rPr lang="en" dirty="0" smtClean="0"/>
-              <a:t>Experiment </a:t>
-            </a:r>
-            <a:r>
-              <a:rPr lang="en" dirty="0"/>
-              <a:t>with additional </a:t>
-            </a:r>
-            <a:r>
-              <a:rPr lang="en" dirty="0" smtClean="0"/>
-              <a:t>sensors</a:t>
-            </a:r>
-            <a:r>
-              <a:rPr lang="vi-VN" dirty="0" smtClean="0"/>
-              <a:t>:</a:t>
-            </a:r>
-          </a:p>
-          <a:p>
-            <a:pPr marL="228600" lvl="1">
-              <a:lnSpc>
-                <a:spcPct val="100000"/>
-              </a:lnSpc>
-              <a:spcAft>
-                <a:spcPts val="600"/>
-              </a:spcAft>
-            </a:pPr>
-            <a:r>
-              <a:rPr lang="vi-VN" sz="1200" dirty="0" smtClean="0"/>
-              <a:t>		</a:t>
-            </a:r>
-            <a:r>
-              <a:rPr lang="en" sz="1200" dirty="0" smtClean="0"/>
-              <a:t>more </a:t>
-            </a:r>
-            <a:r>
-              <a:rPr lang="en" sz="1200" dirty="0"/>
-              <a:t>than one IR </a:t>
-            </a:r>
-            <a:r>
-              <a:rPr lang="en" sz="1200" dirty="0" smtClean="0"/>
-              <a:t>sensor</a:t>
-            </a:r>
-            <a:endParaRPr lang="vi-VN" sz="1200" dirty="0" smtClean="0"/>
-          </a:p>
-          <a:p>
-            <a:pPr marL="228600" lvl="1">
-              <a:lnSpc>
-                <a:spcPct val="100000"/>
-              </a:lnSpc>
-              <a:spcAft>
-                <a:spcPts val="600"/>
-              </a:spcAft>
-            </a:pPr>
-            <a:r>
-              <a:rPr lang="vi-VN" sz="1200" dirty="0"/>
-              <a:t>	</a:t>
-            </a:r>
-            <a:r>
-              <a:rPr lang="vi-VN" sz="1200" dirty="0" smtClean="0"/>
-              <a:t>	</a:t>
-            </a:r>
-            <a:r>
-              <a:rPr lang="en" sz="1200" dirty="0" smtClean="0"/>
-              <a:t>gesture </a:t>
-            </a:r>
-            <a:r>
-              <a:rPr lang="en" sz="1200" dirty="0"/>
-              <a:t>sensor</a:t>
-            </a:r>
-          </a:p>
-          <a:p>
-            <a:pPr marL="571500" lvl="0" indent="-342900">
-              <a:lnSpc>
-                <a:spcPct val="100000"/>
-              </a:lnSpc>
-              <a:spcBef>
-                <a:spcPts val="0"/>
-              </a:spcBef>
-              <a:spcAft>
-                <a:spcPts val="600"/>
-              </a:spcAft>
-              <a:buFont typeface="Wingdings" charset="2"/>
-              <a:buChar char="v"/>
-            </a:pPr>
-            <a:r>
-              <a:rPr lang="en" sz="1600" dirty="0"/>
-              <a:t>4th week - 12/08/2015: Final Presentation</a:t>
-            </a:r>
-          </a:p>
-        </p:txBody>
-      </p:sp>
+      </p:pic>
     </p:spTree>
   </p:cSld>
   <p:clrMapOvr>
